--- a/L.Divya NM ppt.pptx
+++ b/L.Divya NM ppt.pptx
@@ -6335,7 +6335,7 @@
             <a:fld id="{B61BEF0D-F0BB-DE4B-95CE-6DB70DBA9567}" type="datetimeFigureOut">
               <a:rPr lang="en-US" dirty="0"/>
               <a:pPr/>
-              <a:t>9/6/2024</a:t>
+              <a:t>9/9/2024</a:t>
             </a:fld>
             <a:endParaRPr lang="en-US"/>
           </a:p>
@@ -6582,7 +6582,7 @@
             <a:fld id="{B61BEF0D-F0BB-DE4B-95CE-6DB70DBA9567}" type="datetimeFigureOut">
               <a:rPr lang="en-US" dirty="0"/>
               <a:pPr/>
-              <a:t>9/6/2024</a:t>
+              <a:t>9/9/2024</a:t>
             </a:fld>
             <a:endParaRPr lang="en-US"/>
           </a:p>
@@ -6892,7 +6892,7 @@
             <a:fld id="{B61BEF0D-F0BB-DE4B-95CE-6DB70DBA9567}" type="datetimeFigureOut">
               <a:rPr lang="en-US" dirty="0"/>
               <a:pPr/>
-              <a:t>9/6/2024</a:t>
+              <a:t>9/9/2024</a:t>
             </a:fld>
             <a:endParaRPr lang="en-US"/>
           </a:p>
@@ -7221,7 +7221,7 @@
             <a:fld id="{B61BEF0D-F0BB-DE4B-95CE-6DB70DBA9567}" type="datetimeFigureOut">
               <a:rPr lang="en-US" dirty="0"/>
               <a:pPr/>
-              <a:t>9/6/2024</a:t>
+              <a:t>9/9/2024</a:t>
             </a:fld>
             <a:endParaRPr lang="en-US"/>
           </a:p>
@@ -7531,7 +7531,7 @@
             <a:fld id="{B61BEF0D-F0BB-DE4B-95CE-6DB70DBA9567}" type="datetimeFigureOut">
               <a:rPr lang="en-US" dirty="0"/>
               <a:pPr/>
-              <a:t>9/6/2024</a:t>
+              <a:t>9/9/2024</a:t>
             </a:fld>
             <a:endParaRPr lang="en-US"/>
           </a:p>
@@ -7920,7 +7920,7 @@
             <a:fld id="{B61BEF0D-F0BB-DE4B-95CE-6DB70DBA9567}" type="datetimeFigureOut">
               <a:rPr lang="en-US" dirty="0"/>
               <a:pPr/>
-              <a:t>9/6/2024</a:t>
+              <a:t>9/9/2024</a:t>
             </a:fld>
             <a:endParaRPr lang="en-US"/>
           </a:p>
@@ -8084,7 +8084,7 @@
           <a:p>
             <a:fld id="{55C6B4A9-1611-4792-9094-5F34BCA07E0B}" type="datetimeFigureOut">
               <a:rPr lang="en-US" dirty="0"/>
-              <a:t>9/6/2024</a:t>
+              <a:t>9/9/2024</a:t>
             </a:fld>
             <a:endParaRPr lang="en-US"/>
           </a:p>
@@ -8258,7 +8258,7 @@
             <a:fld id="{B61BEF0D-F0BB-DE4B-95CE-6DB70DBA9567}" type="datetimeFigureOut">
               <a:rPr lang="en-US" dirty="0"/>
               <a:pPr/>
-              <a:t>9/6/2024</a:t>
+              <a:t>9/9/2024</a:t>
             </a:fld>
             <a:endParaRPr lang="en-US"/>
           </a:p>
@@ -8422,7 +8422,7 @@
           <a:p>
             <a:fld id="{42A54C80-263E-416B-A8E0-580EDEADCBDC}" type="datetimeFigureOut">
               <a:rPr lang="en-US" dirty="0"/>
-              <a:t>9/6/2024</a:t>
+              <a:t>9/9/2024</a:t>
             </a:fld>
             <a:endParaRPr lang="en-US"/>
           </a:p>
@@ -8664,7 +8664,7 @@
             <a:fld id="{B61BEF0D-F0BB-DE4B-95CE-6DB70DBA9567}" type="datetimeFigureOut">
               <a:rPr lang="en-US" dirty="0"/>
               <a:pPr/>
-              <a:t>9/6/2024</a:t>
+              <a:t>9/9/2024</a:t>
             </a:fld>
             <a:endParaRPr lang="en-US"/>
           </a:p>
@@ -8889,7 +8889,7 @@
           <a:p>
             <a:fld id="{42A54C80-263E-416B-A8E0-580EDEADCBDC}" type="datetimeFigureOut">
               <a:rPr lang="en-US" dirty="0"/>
-              <a:t>9/6/2024</a:t>
+              <a:t>9/9/2024</a:t>
             </a:fld>
             <a:endParaRPr lang="en-US"/>
           </a:p>
@@ -9256,7 +9256,7 @@
             <a:fld id="{B61BEF0D-F0BB-DE4B-95CE-6DB70DBA9567}" type="datetimeFigureOut">
               <a:rPr lang="en-US" dirty="0"/>
               <a:pPr/>
-              <a:t>9/6/2024</a:t>
+              <a:t>9/9/2024</a:t>
             </a:fld>
             <a:endParaRPr lang="en-US"/>
           </a:p>
@@ -9375,7 +9375,7 @@
             <a:fld id="{B61BEF0D-F0BB-DE4B-95CE-6DB70DBA9567}" type="datetimeFigureOut">
               <a:rPr lang="en-US" dirty="0"/>
               <a:pPr/>
-              <a:t>9/6/2024</a:t>
+              <a:t>9/9/2024</a:t>
             </a:fld>
             <a:endParaRPr lang="en-US"/>
           </a:p>
@@ -9467,7 +9467,7 @@
             <a:fld id="{B61BEF0D-F0BB-DE4B-95CE-6DB70DBA9567}" type="datetimeFigureOut">
               <a:rPr lang="en-US" dirty="0"/>
               <a:pPr/>
-              <a:t>9/6/2024</a:t>
+              <a:t>9/9/2024</a:t>
             </a:fld>
             <a:endParaRPr lang="en-US"/>
           </a:p>
@@ -9716,7 +9716,7 @@
           <a:p>
             <a:fld id="{42A54C80-263E-416B-A8E0-580EDEADCBDC}" type="datetimeFigureOut">
               <a:rPr lang="en-US" dirty="0"/>
-              <a:t>9/6/2024</a:t>
+              <a:t>9/9/2024</a:t>
             </a:fld>
             <a:endParaRPr lang="en-US"/>
           </a:p>
@@ -10016,7 +10016,7 @@
             <a:fld id="{B61BEF0D-F0BB-DE4B-95CE-6DB70DBA9567}" type="datetimeFigureOut">
               <a:rPr lang="en-US" dirty="0"/>
               <a:pPr/>
-              <a:t>9/6/2024</a:t>
+              <a:t>9/9/2024</a:t>
             </a:fld>
             <a:endParaRPr lang="en-US"/>
           </a:p>
@@ -10712,7 +10712,7 @@
             <a:fld id="{B61BEF0D-F0BB-DE4B-95CE-6DB70DBA9567}" type="datetimeFigureOut">
               <a:rPr lang="en-US" dirty="0"/>
               <a:pPr/>
-              <a:t>9/6/2024</a:t>
+              <a:t>9/9/2024</a:t>
             </a:fld>
             <a:endParaRPr lang="en-US"/>
           </a:p>
@@ -11324,8 +11324,19 @@
                 <a:latin typeface="Times New Roman" panose="02020603050405020304" pitchFamily="18" charset="0"/>
                 <a:cs typeface="Times New Roman" panose="02020603050405020304" pitchFamily="18" charset="0"/>
               </a:rPr>
-              <a:t> L.DIVYA</a:t>
-            </a:r>
+              <a:t> </a:t>
+            </a:r>
+            <a:r>
+              <a:rPr lang="en-US" sz="2400" i="1" dirty="0" err="1">
+                <a:latin typeface="Times New Roman" panose="02020603050405020304" pitchFamily="18" charset="0"/>
+                <a:cs typeface="Times New Roman" panose="02020603050405020304" pitchFamily="18" charset="0"/>
+              </a:rPr>
+              <a:t>S.Jeevitha</a:t>
+            </a:r>
+            <a:endParaRPr lang="en-US" sz="2400" i="1" dirty="0">
+              <a:latin typeface="Times New Roman" panose="02020603050405020304" pitchFamily="18" charset="0"/>
+              <a:cs typeface="Times New Roman" panose="02020603050405020304" pitchFamily="18" charset="0"/>
+            </a:endParaRPr>
           </a:p>
           <a:p>
             <a:r>
@@ -11361,7 +11372,7 @@
                 <a:latin typeface="Times New Roman" panose="02020603050405020304" pitchFamily="18" charset="0"/>
                 <a:cs typeface="Times New Roman" panose="02020603050405020304" pitchFamily="18" charset="0"/>
               </a:rPr>
-              <a:t>12</a:t>
+              <a:t>27</a:t>
             </a:r>
             <a:endParaRPr lang="en-IN" sz="2400" i="1" dirty="0">
               <a:latin typeface="Times New Roman" panose="02020603050405020304" pitchFamily="18" charset="0"/>
@@ -11377,11 +11388,11 @@
               <a:t>USERNAME:asunm133322133310960</a:t>
             </a:r>
             <a:r>
-              <a:rPr lang="en-US" sz="2400" i="1" dirty="0">
+              <a:rPr lang="en-US" sz="2400" i="1">
                 <a:latin typeface="Times New Roman" panose="02020603050405020304" pitchFamily="18" charset="0"/>
                 <a:cs typeface="Times New Roman" panose="02020603050405020304" pitchFamily="18" charset="0"/>
               </a:rPr>
-              <a:t>12</a:t>
+              <a:t>27</a:t>
             </a:r>
             <a:endParaRPr lang="en-GB" sz="2400" i="1" dirty="0">
               <a:latin typeface="Times New Roman" panose="02020603050405020304" pitchFamily="18" charset="0"/>
